--- a/ppt 16-9/0864.像主门徒.pptx
+++ b/ppt 16-9/0864.像主门徒.pptx
@@ -129,7 +129,7 @@
           <p:cNvPr id="2" name="标题 1">
             <a:extLst>
               <a:ext uri="{FF2B5EF4-FFF2-40B4-BE49-F238E27FC236}">
-                <a16:creationId xmlns:a16="http://schemas.microsoft.com/office/drawing/2014/main" id="{6D246425-F695-A321-6F5B-4FD261CB915D}"/>
+                <a16:creationId xmlns:a16="http://schemas.microsoft.com/office/drawing/2014/main" id="{56F34584-6E47-B7DD-2F7C-F5610BDB0060}"/>
               </a:ext>
             </a:extLst>
           </p:cNvPr>
@@ -166,7 +166,7 @@
           <p:cNvPr id="3" name="副标题 2">
             <a:extLst>
               <a:ext uri="{FF2B5EF4-FFF2-40B4-BE49-F238E27FC236}">
-                <a16:creationId xmlns:a16="http://schemas.microsoft.com/office/drawing/2014/main" id="{F430E69F-577F-F836-EE42-74DDA4424C5C}"/>
+                <a16:creationId xmlns:a16="http://schemas.microsoft.com/office/drawing/2014/main" id="{FB49D1DF-7952-2670-1B80-778564081316}"/>
               </a:ext>
             </a:extLst>
           </p:cNvPr>
@@ -236,7 +236,7 @@
           <p:cNvPr id="4" name="日期占位符 3">
             <a:extLst>
               <a:ext uri="{FF2B5EF4-FFF2-40B4-BE49-F238E27FC236}">
-                <a16:creationId xmlns:a16="http://schemas.microsoft.com/office/drawing/2014/main" id="{768A7B5D-7464-03D1-656B-093729B22A8E}"/>
+                <a16:creationId xmlns:a16="http://schemas.microsoft.com/office/drawing/2014/main" id="{73ABF414-9BAC-A8B7-3A65-0BC7420170F3}"/>
               </a:ext>
             </a:extLst>
           </p:cNvPr>
@@ -252,7 +252,7 @@
           <a:bodyPr/>
           <a:lstStyle/>
           <a:p>
-            <a:fld id="{73952DAE-6F8E-4F91-8DD0-AED63A0CDB0D}" type="datetimeFigureOut">
+            <a:fld id="{02B8F3E1-D356-4372-8B51-98F5E90B3220}" type="datetimeFigureOut">
               <a:rPr lang="zh-CN" altLang="en-US" smtClean="0"/>
               <a:t>2024/3/10</a:t>
             </a:fld>
@@ -265,7 +265,7 @@
           <p:cNvPr id="5" name="页脚占位符 4">
             <a:extLst>
               <a:ext uri="{FF2B5EF4-FFF2-40B4-BE49-F238E27FC236}">
-                <a16:creationId xmlns:a16="http://schemas.microsoft.com/office/drawing/2014/main" id="{59EA9317-42E2-735E-87CB-E597F555103F}"/>
+                <a16:creationId xmlns:a16="http://schemas.microsoft.com/office/drawing/2014/main" id="{5AA6ED67-EECE-26D5-E860-871F158608BB}"/>
               </a:ext>
             </a:extLst>
           </p:cNvPr>
@@ -290,7 +290,7 @@
           <p:cNvPr id="6" name="灯片编号占位符 5">
             <a:extLst>
               <a:ext uri="{FF2B5EF4-FFF2-40B4-BE49-F238E27FC236}">
-                <a16:creationId xmlns:a16="http://schemas.microsoft.com/office/drawing/2014/main" id="{8D6CCDD2-4844-3E26-019A-69ACA978496B}"/>
+                <a16:creationId xmlns:a16="http://schemas.microsoft.com/office/drawing/2014/main" id="{72500620-7C1D-9BB8-6FFA-CA7B521B23AB}"/>
               </a:ext>
             </a:extLst>
           </p:cNvPr>
@@ -306,7 +306,7 @@
           <a:bodyPr/>
           <a:lstStyle/>
           <a:p>
-            <a:fld id="{C1345F19-178D-4D6C-9724-FDBA2E592DE1}" type="slidenum">
+            <a:fld id="{E380862D-494B-4F1B-9520-4229AF1759C2}" type="slidenum">
               <a:rPr lang="zh-CN" altLang="en-US" smtClean="0"/>
               <a:t>‹#›</a:t>
             </a:fld>
@@ -317,7 +317,7 @@
     </p:spTree>
     <p:extLst>
       <p:ext uri="{BB962C8B-B14F-4D97-AF65-F5344CB8AC3E}">
-        <p14:creationId xmlns:p14="http://schemas.microsoft.com/office/powerpoint/2010/main" val="3773467081"/>
+        <p14:creationId xmlns:p14="http://schemas.microsoft.com/office/powerpoint/2010/main" val="2238760732"/>
       </p:ext>
     </p:extLst>
   </p:cSld>
@@ -349,7 +349,7 @@
           <p:cNvPr id="2" name="标题 1">
             <a:extLst>
               <a:ext uri="{FF2B5EF4-FFF2-40B4-BE49-F238E27FC236}">
-                <a16:creationId xmlns:a16="http://schemas.microsoft.com/office/drawing/2014/main" id="{89EF5360-36C9-0417-77DB-BB583C1ABF34}"/>
+                <a16:creationId xmlns:a16="http://schemas.microsoft.com/office/drawing/2014/main" id="{FA5940FF-CD78-8E9D-6E90-ABA742E46F3D}"/>
               </a:ext>
             </a:extLst>
           </p:cNvPr>
@@ -377,7 +377,7 @@
           <p:cNvPr id="3" name="竖排文字占位符 2">
             <a:extLst>
               <a:ext uri="{FF2B5EF4-FFF2-40B4-BE49-F238E27FC236}">
-                <a16:creationId xmlns:a16="http://schemas.microsoft.com/office/drawing/2014/main" id="{90D8BCD5-7F5E-9F46-232C-50DD94867B95}"/>
+                <a16:creationId xmlns:a16="http://schemas.microsoft.com/office/drawing/2014/main" id="{B6A5138C-5053-E455-B2B6-BFBD6A0A9A54}"/>
               </a:ext>
             </a:extLst>
           </p:cNvPr>
@@ -434,7 +434,7 @@
           <p:cNvPr id="4" name="日期占位符 3">
             <a:extLst>
               <a:ext uri="{FF2B5EF4-FFF2-40B4-BE49-F238E27FC236}">
-                <a16:creationId xmlns:a16="http://schemas.microsoft.com/office/drawing/2014/main" id="{FE507980-F2F0-DE3E-4245-4B378044CAC9}"/>
+                <a16:creationId xmlns:a16="http://schemas.microsoft.com/office/drawing/2014/main" id="{9DD8F3ED-E4CE-7469-6389-F2BDD446833C}"/>
               </a:ext>
             </a:extLst>
           </p:cNvPr>
@@ -450,7 +450,7 @@
           <a:bodyPr/>
           <a:lstStyle/>
           <a:p>
-            <a:fld id="{73952DAE-6F8E-4F91-8DD0-AED63A0CDB0D}" type="datetimeFigureOut">
+            <a:fld id="{02B8F3E1-D356-4372-8B51-98F5E90B3220}" type="datetimeFigureOut">
               <a:rPr lang="zh-CN" altLang="en-US" smtClean="0"/>
               <a:t>2024/3/10</a:t>
             </a:fld>
@@ -463,7 +463,7 @@
           <p:cNvPr id="5" name="页脚占位符 4">
             <a:extLst>
               <a:ext uri="{FF2B5EF4-FFF2-40B4-BE49-F238E27FC236}">
-                <a16:creationId xmlns:a16="http://schemas.microsoft.com/office/drawing/2014/main" id="{BAFF6000-4EF3-E565-1CD2-4C850DA48FC1}"/>
+                <a16:creationId xmlns:a16="http://schemas.microsoft.com/office/drawing/2014/main" id="{1564B568-C4A1-D5F3-0328-AC3748A18929}"/>
               </a:ext>
             </a:extLst>
           </p:cNvPr>
@@ -488,7 +488,7 @@
           <p:cNvPr id="6" name="灯片编号占位符 5">
             <a:extLst>
               <a:ext uri="{FF2B5EF4-FFF2-40B4-BE49-F238E27FC236}">
-                <a16:creationId xmlns:a16="http://schemas.microsoft.com/office/drawing/2014/main" id="{5B94D52E-6AF7-BF82-12A6-B8318FD43340}"/>
+                <a16:creationId xmlns:a16="http://schemas.microsoft.com/office/drawing/2014/main" id="{DBEE2E1A-A52D-E85A-5561-6FE77B0B80EB}"/>
               </a:ext>
             </a:extLst>
           </p:cNvPr>
@@ -504,7 +504,7 @@
           <a:bodyPr/>
           <a:lstStyle/>
           <a:p>
-            <a:fld id="{C1345F19-178D-4D6C-9724-FDBA2E592DE1}" type="slidenum">
+            <a:fld id="{E380862D-494B-4F1B-9520-4229AF1759C2}" type="slidenum">
               <a:rPr lang="zh-CN" altLang="en-US" smtClean="0"/>
               <a:t>‹#›</a:t>
             </a:fld>
@@ -515,7 +515,7 @@
     </p:spTree>
     <p:extLst>
       <p:ext uri="{BB962C8B-B14F-4D97-AF65-F5344CB8AC3E}">
-        <p14:creationId xmlns:p14="http://schemas.microsoft.com/office/powerpoint/2010/main" val="1892679731"/>
+        <p14:creationId xmlns:p14="http://schemas.microsoft.com/office/powerpoint/2010/main" val="3896899484"/>
       </p:ext>
     </p:extLst>
   </p:cSld>
@@ -547,7 +547,7 @@
           <p:cNvPr id="2" name="竖排标题 1">
             <a:extLst>
               <a:ext uri="{FF2B5EF4-FFF2-40B4-BE49-F238E27FC236}">
-                <a16:creationId xmlns:a16="http://schemas.microsoft.com/office/drawing/2014/main" id="{FE9A64F6-4E44-0CAF-2D3F-3A599A051616}"/>
+                <a16:creationId xmlns:a16="http://schemas.microsoft.com/office/drawing/2014/main" id="{DECB3FB1-407E-516D-43E6-43C9D3DE8914}"/>
               </a:ext>
             </a:extLst>
           </p:cNvPr>
@@ -580,7 +580,7 @@
           <p:cNvPr id="3" name="竖排文字占位符 2">
             <a:extLst>
               <a:ext uri="{FF2B5EF4-FFF2-40B4-BE49-F238E27FC236}">
-                <a16:creationId xmlns:a16="http://schemas.microsoft.com/office/drawing/2014/main" id="{951EE022-95FA-2B01-F502-96B9E330EB51}"/>
+                <a16:creationId xmlns:a16="http://schemas.microsoft.com/office/drawing/2014/main" id="{04B82703-1036-3FA8-CE35-2424CFC35F3C}"/>
               </a:ext>
             </a:extLst>
           </p:cNvPr>
@@ -642,7 +642,7 @@
           <p:cNvPr id="4" name="日期占位符 3">
             <a:extLst>
               <a:ext uri="{FF2B5EF4-FFF2-40B4-BE49-F238E27FC236}">
-                <a16:creationId xmlns:a16="http://schemas.microsoft.com/office/drawing/2014/main" id="{8E5879A2-4887-FB11-7796-F0E4AAF6461B}"/>
+                <a16:creationId xmlns:a16="http://schemas.microsoft.com/office/drawing/2014/main" id="{411E6137-8964-F197-D255-76B559DCF81C}"/>
               </a:ext>
             </a:extLst>
           </p:cNvPr>
@@ -658,7 +658,7 @@
           <a:bodyPr/>
           <a:lstStyle/>
           <a:p>
-            <a:fld id="{73952DAE-6F8E-4F91-8DD0-AED63A0CDB0D}" type="datetimeFigureOut">
+            <a:fld id="{02B8F3E1-D356-4372-8B51-98F5E90B3220}" type="datetimeFigureOut">
               <a:rPr lang="zh-CN" altLang="en-US" smtClean="0"/>
               <a:t>2024/3/10</a:t>
             </a:fld>
@@ -671,7 +671,7 @@
           <p:cNvPr id="5" name="页脚占位符 4">
             <a:extLst>
               <a:ext uri="{FF2B5EF4-FFF2-40B4-BE49-F238E27FC236}">
-                <a16:creationId xmlns:a16="http://schemas.microsoft.com/office/drawing/2014/main" id="{6317A187-DE5F-255E-C77A-37F56CA2FB88}"/>
+                <a16:creationId xmlns:a16="http://schemas.microsoft.com/office/drawing/2014/main" id="{CF870B99-AE1B-3AFB-485F-539DEF7EE00D}"/>
               </a:ext>
             </a:extLst>
           </p:cNvPr>
@@ -696,7 +696,7 @@
           <p:cNvPr id="6" name="灯片编号占位符 5">
             <a:extLst>
               <a:ext uri="{FF2B5EF4-FFF2-40B4-BE49-F238E27FC236}">
-                <a16:creationId xmlns:a16="http://schemas.microsoft.com/office/drawing/2014/main" id="{748B56C6-0E4B-706A-B94A-866CA0D92F9A}"/>
+                <a16:creationId xmlns:a16="http://schemas.microsoft.com/office/drawing/2014/main" id="{1B1A2FF9-BB15-0093-90D8-1DD559959BDD}"/>
               </a:ext>
             </a:extLst>
           </p:cNvPr>
@@ -712,7 +712,7 @@
           <a:bodyPr/>
           <a:lstStyle/>
           <a:p>
-            <a:fld id="{C1345F19-178D-4D6C-9724-FDBA2E592DE1}" type="slidenum">
+            <a:fld id="{E380862D-494B-4F1B-9520-4229AF1759C2}" type="slidenum">
               <a:rPr lang="zh-CN" altLang="en-US" smtClean="0"/>
               <a:t>‹#›</a:t>
             </a:fld>
@@ -723,7 +723,7 @@
     </p:spTree>
     <p:extLst>
       <p:ext uri="{BB962C8B-B14F-4D97-AF65-F5344CB8AC3E}">
-        <p14:creationId xmlns:p14="http://schemas.microsoft.com/office/powerpoint/2010/main" val="1953041497"/>
+        <p14:creationId xmlns:p14="http://schemas.microsoft.com/office/powerpoint/2010/main" val="749816242"/>
       </p:ext>
     </p:extLst>
   </p:cSld>
@@ -755,7 +755,7 @@
           <p:cNvPr id="2" name="标题 1">
             <a:extLst>
               <a:ext uri="{FF2B5EF4-FFF2-40B4-BE49-F238E27FC236}">
-                <a16:creationId xmlns:a16="http://schemas.microsoft.com/office/drawing/2014/main" id="{AAA9203A-5014-F887-48F1-711CAADBCF9F}"/>
+                <a16:creationId xmlns:a16="http://schemas.microsoft.com/office/drawing/2014/main" id="{D555F205-6D2F-BCD7-B52F-737015E4253B}"/>
               </a:ext>
             </a:extLst>
           </p:cNvPr>
@@ -783,7 +783,7 @@
           <p:cNvPr id="3" name="内容占位符 2">
             <a:extLst>
               <a:ext uri="{FF2B5EF4-FFF2-40B4-BE49-F238E27FC236}">
-                <a16:creationId xmlns:a16="http://schemas.microsoft.com/office/drawing/2014/main" id="{0779133A-917B-274D-D4E4-7AC8EC3E9436}"/>
+                <a16:creationId xmlns:a16="http://schemas.microsoft.com/office/drawing/2014/main" id="{72F79A22-CB9C-DBFC-3623-8B37A118CE73}"/>
               </a:ext>
             </a:extLst>
           </p:cNvPr>
@@ -840,7 +840,7 @@
           <p:cNvPr id="4" name="日期占位符 3">
             <a:extLst>
               <a:ext uri="{FF2B5EF4-FFF2-40B4-BE49-F238E27FC236}">
-                <a16:creationId xmlns:a16="http://schemas.microsoft.com/office/drawing/2014/main" id="{3D7240B6-C4F4-DBEC-0B20-EC7FA7804EEE}"/>
+                <a16:creationId xmlns:a16="http://schemas.microsoft.com/office/drawing/2014/main" id="{F4F4821A-2438-B5A0-D20D-1B4EA63B9F74}"/>
               </a:ext>
             </a:extLst>
           </p:cNvPr>
@@ -856,7 +856,7 @@
           <a:bodyPr/>
           <a:lstStyle/>
           <a:p>
-            <a:fld id="{73952DAE-6F8E-4F91-8DD0-AED63A0CDB0D}" type="datetimeFigureOut">
+            <a:fld id="{02B8F3E1-D356-4372-8B51-98F5E90B3220}" type="datetimeFigureOut">
               <a:rPr lang="zh-CN" altLang="en-US" smtClean="0"/>
               <a:t>2024/3/10</a:t>
             </a:fld>
@@ -869,7 +869,7 @@
           <p:cNvPr id="5" name="页脚占位符 4">
             <a:extLst>
               <a:ext uri="{FF2B5EF4-FFF2-40B4-BE49-F238E27FC236}">
-                <a16:creationId xmlns:a16="http://schemas.microsoft.com/office/drawing/2014/main" id="{5460ABDC-51E0-9B0A-D4AC-62F237947045}"/>
+                <a16:creationId xmlns:a16="http://schemas.microsoft.com/office/drawing/2014/main" id="{7B97CA8A-E9D4-C51D-7232-F95D999567AF}"/>
               </a:ext>
             </a:extLst>
           </p:cNvPr>
@@ -894,7 +894,7 @@
           <p:cNvPr id="6" name="灯片编号占位符 5">
             <a:extLst>
               <a:ext uri="{FF2B5EF4-FFF2-40B4-BE49-F238E27FC236}">
-                <a16:creationId xmlns:a16="http://schemas.microsoft.com/office/drawing/2014/main" id="{7623A272-6734-AE62-A2A4-BEAA1B5A7A46}"/>
+                <a16:creationId xmlns:a16="http://schemas.microsoft.com/office/drawing/2014/main" id="{79F88953-468E-7C67-2AB8-ECC381230202}"/>
               </a:ext>
             </a:extLst>
           </p:cNvPr>
@@ -910,7 +910,7 @@
           <a:bodyPr/>
           <a:lstStyle/>
           <a:p>
-            <a:fld id="{C1345F19-178D-4D6C-9724-FDBA2E592DE1}" type="slidenum">
+            <a:fld id="{E380862D-494B-4F1B-9520-4229AF1759C2}" type="slidenum">
               <a:rPr lang="zh-CN" altLang="en-US" smtClean="0"/>
               <a:t>‹#›</a:t>
             </a:fld>
@@ -921,7 +921,7 @@
     </p:spTree>
     <p:extLst>
       <p:ext uri="{BB962C8B-B14F-4D97-AF65-F5344CB8AC3E}">
-        <p14:creationId xmlns:p14="http://schemas.microsoft.com/office/powerpoint/2010/main" val="813007953"/>
+        <p14:creationId xmlns:p14="http://schemas.microsoft.com/office/powerpoint/2010/main" val="3804691240"/>
       </p:ext>
     </p:extLst>
   </p:cSld>
@@ -953,7 +953,7 @@
           <p:cNvPr id="2" name="标题 1">
             <a:extLst>
               <a:ext uri="{FF2B5EF4-FFF2-40B4-BE49-F238E27FC236}">
-                <a16:creationId xmlns:a16="http://schemas.microsoft.com/office/drawing/2014/main" id="{74B55A98-AFF8-D405-D0FD-49DD1E2F1169}"/>
+                <a16:creationId xmlns:a16="http://schemas.microsoft.com/office/drawing/2014/main" id="{55FB9398-07F3-CFC0-8065-104E85DF49CB}"/>
               </a:ext>
             </a:extLst>
           </p:cNvPr>
@@ -990,7 +990,7 @@
           <p:cNvPr id="3" name="文本占位符 2">
             <a:extLst>
               <a:ext uri="{FF2B5EF4-FFF2-40B4-BE49-F238E27FC236}">
-                <a16:creationId xmlns:a16="http://schemas.microsoft.com/office/drawing/2014/main" id="{1C8E10C1-0E91-69D3-D30F-6037345C8948}"/>
+                <a16:creationId xmlns:a16="http://schemas.microsoft.com/office/drawing/2014/main" id="{D8B58DDA-DCD8-AEE6-7E61-09F029AAF3C2}"/>
               </a:ext>
             </a:extLst>
           </p:cNvPr>
@@ -1115,7 +1115,7 @@
           <p:cNvPr id="4" name="日期占位符 3">
             <a:extLst>
               <a:ext uri="{FF2B5EF4-FFF2-40B4-BE49-F238E27FC236}">
-                <a16:creationId xmlns:a16="http://schemas.microsoft.com/office/drawing/2014/main" id="{C8511F30-02E2-4469-C61A-F647DB3114CE}"/>
+                <a16:creationId xmlns:a16="http://schemas.microsoft.com/office/drawing/2014/main" id="{29EFA07D-CF69-0D8F-9834-B133E9CA9A5F}"/>
               </a:ext>
             </a:extLst>
           </p:cNvPr>
@@ -1131,7 +1131,7 @@
           <a:bodyPr/>
           <a:lstStyle/>
           <a:p>
-            <a:fld id="{73952DAE-6F8E-4F91-8DD0-AED63A0CDB0D}" type="datetimeFigureOut">
+            <a:fld id="{02B8F3E1-D356-4372-8B51-98F5E90B3220}" type="datetimeFigureOut">
               <a:rPr lang="zh-CN" altLang="en-US" smtClean="0"/>
               <a:t>2024/3/10</a:t>
             </a:fld>
@@ -1144,7 +1144,7 @@
           <p:cNvPr id="5" name="页脚占位符 4">
             <a:extLst>
               <a:ext uri="{FF2B5EF4-FFF2-40B4-BE49-F238E27FC236}">
-                <a16:creationId xmlns:a16="http://schemas.microsoft.com/office/drawing/2014/main" id="{AAD99E3E-AB41-BD12-A700-D8B27227AAF8}"/>
+                <a16:creationId xmlns:a16="http://schemas.microsoft.com/office/drawing/2014/main" id="{087A8936-5045-4DDD-2FC8-8242162B1D0F}"/>
               </a:ext>
             </a:extLst>
           </p:cNvPr>
@@ -1169,7 +1169,7 @@
           <p:cNvPr id="6" name="灯片编号占位符 5">
             <a:extLst>
               <a:ext uri="{FF2B5EF4-FFF2-40B4-BE49-F238E27FC236}">
-                <a16:creationId xmlns:a16="http://schemas.microsoft.com/office/drawing/2014/main" id="{0FC088E6-817E-AEB5-AD7A-D9812CE61227}"/>
+                <a16:creationId xmlns:a16="http://schemas.microsoft.com/office/drawing/2014/main" id="{1DC85A93-0311-91E2-3044-1F7F3C7F0777}"/>
               </a:ext>
             </a:extLst>
           </p:cNvPr>
@@ -1185,7 +1185,7 @@
           <a:bodyPr/>
           <a:lstStyle/>
           <a:p>
-            <a:fld id="{C1345F19-178D-4D6C-9724-FDBA2E592DE1}" type="slidenum">
+            <a:fld id="{E380862D-494B-4F1B-9520-4229AF1759C2}" type="slidenum">
               <a:rPr lang="zh-CN" altLang="en-US" smtClean="0"/>
               <a:t>‹#›</a:t>
             </a:fld>
@@ -1196,7 +1196,7 @@
     </p:spTree>
     <p:extLst>
       <p:ext uri="{BB962C8B-B14F-4D97-AF65-F5344CB8AC3E}">
-        <p14:creationId xmlns:p14="http://schemas.microsoft.com/office/powerpoint/2010/main" val="1595459925"/>
+        <p14:creationId xmlns:p14="http://schemas.microsoft.com/office/powerpoint/2010/main" val="2270547218"/>
       </p:ext>
     </p:extLst>
   </p:cSld>
@@ -1228,7 +1228,7 @@
           <p:cNvPr id="2" name="标题 1">
             <a:extLst>
               <a:ext uri="{FF2B5EF4-FFF2-40B4-BE49-F238E27FC236}">
-                <a16:creationId xmlns:a16="http://schemas.microsoft.com/office/drawing/2014/main" id="{ABC35105-FB66-0288-6DE9-C9310B37B348}"/>
+                <a16:creationId xmlns:a16="http://schemas.microsoft.com/office/drawing/2014/main" id="{E1556F01-66B0-18A5-5B35-0B43AF8B8121}"/>
               </a:ext>
             </a:extLst>
           </p:cNvPr>
@@ -1256,7 +1256,7 @@
           <p:cNvPr id="3" name="内容占位符 2">
             <a:extLst>
               <a:ext uri="{FF2B5EF4-FFF2-40B4-BE49-F238E27FC236}">
-                <a16:creationId xmlns:a16="http://schemas.microsoft.com/office/drawing/2014/main" id="{B9728778-44CF-6E18-3273-640C2AF8CF8D}"/>
+                <a16:creationId xmlns:a16="http://schemas.microsoft.com/office/drawing/2014/main" id="{BF7038EF-C67A-9D1F-B8FE-81CB61D3DC56}"/>
               </a:ext>
             </a:extLst>
           </p:cNvPr>
@@ -1318,7 +1318,7 @@
           <p:cNvPr id="4" name="内容占位符 3">
             <a:extLst>
               <a:ext uri="{FF2B5EF4-FFF2-40B4-BE49-F238E27FC236}">
-                <a16:creationId xmlns:a16="http://schemas.microsoft.com/office/drawing/2014/main" id="{1FD627DC-ED68-5FFB-54D7-ADF658B6536D}"/>
+                <a16:creationId xmlns:a16="http://schemas.microsoft.com/office/drawing/2014/main" id="{89AA5D7A-A496-0457-2351-597443CE9A0E}"/>
               </a:ext>
             </a:extLst>
           </p:cNvPr>
@@ -1380,7 +1380,7 @@
           <p:cNvPr id="5" name="日期占位符 4">
             <a:extLst>
               <a:ext uri="{FF2B5EF4-FFF2-40B4-BE49-F238E27FC236}">
-                <a16:creationId xmlns:a16="http://schemas.microsoft.com/office/drawing/2014/main" id="{085B8092-3F62-6018-4882-8A15BC28D500}"/>
+                <a16:creationId xmlns:a16="http://schemas.microsoft.com/office/drawing/2014/main" id="{1C492530-C3AA-BDFF-25E4-469DCCD5BB4F}"/>
               </a:ext>
             </a:extLst>
           </p:cNvPr>
@@ -1396,7 +1396,7 @@
           <a:bodyPr/>
           <a:lstStyle/>
           <a:p>
-            <a:fld id="{73952DAE-6F8E-4F91-8DD0-AED63A0CDB0D}" type="datetimeFigureOut">
+            <a:fld id="{02B8F3E1-D356-4372-8B51-98F5E90B3220}" type="datetimeFigureOut">
               <a:rPr lang="zh-CN" altLang="en-US" smtClean="0"/>
               <a:t>2024/3/10</a:t>
             </a:fld>
@@ -1409,7 +1409,7 @@
           <p:cNvPr id="6" name="页脚占位符 5">
             <a:extLst>
               <a:ext uri="{FF2B5EF4-FFF2-40B4-BE49-F238E27FC236}">
-                <a16:creationId xmlns:a16="http://schemas.microsoft.com/office/drawing/2014/main" id="{2038864B-BE78-0D1C-726B-4F7BFD4573B5}"/>
+                <a16:creationId xmlns:a16="http://schemas.microsoft.com/office/drawing/2014/main" id="{94B1D11E-69B3-F36E-CEB8-390121352F7D}"/>
               </a:ext>
             </a:extLst>
           </p:cNvPr>
@@ -1434,7 +1434,7 @@
           <p:cNvPr id="7" name="灯片编号占位符 6">
             <a:extLst>
               <a:ext uri="{FF2B5EF4-FFF2-40B4-BE49-F238E27FC236}">
-                <a16:creationId xmlns:a16="http://schemas.microsoft.com/office/drawing/2014/main" id="{5AB4E81C-E3BA-A363-840D-70B46AE3AF1D}"/>
+                <a16:creationId xmlns:a16="http://schemas.microsoft.com/office/drawing/2014/main" id="{28917B47-E2E1-6DDC-2A2C-4F27F804E34A}"/>
               </a:ext>
             </a:extLst>
           </p:cNvPr>
@@ -1450,7 +1450,7 @@
           <a:bodyPr/>
           <a:lstStyle/>
           <a:p>
-            <a:fld id="{C1345F19-178D-4D6C-9724-FDBA2E592DE1}" type="slidenum">
+            <a:fld id="{E380862D-494B-4F1B-9520-4229AF1759C2}" type="slidenum">
               <a:rPr lang="zh-CN" altLang="en-US" smtClean="0"/>
               <a:t>‹#›</a:t>
             </a:fld>
@@ -1461,7 +1461,7 @@
     </p:spTree>
     <p:extLst>
       <p:ext uri="{BB962C8B-B14F-4D97-AF65-F5344CB8AC3E}">
-        <p14:creationId xmlns:p14="http://schemas.microsoft.com/office/powerpoint/2010/main" val="3244388451"/>
+        <p14:creationId xmlns:p14="http://schemas.microsoft.com/office/powerpoint/2010/main" val="4002597710"/>
       </p:ext>
     </p:extLst>
   </p:cSld>
@@ -1493,7 +1493,7 @@
           <p:cNvPr id="2" name="标题 1">
             <a:extLst>
               <a:ext uri="{FF2B5EF4-FFF2-40B4-BE49-F238E27FC236}">
-                <a16:creationId xmlns:a16="http://schemas.microsoft.com/office/drawing/2014/main" id="{2C6FB130-52D0-6F69-7DA7-B58AF8033B1E}"/>
+                <a16:creationId xmlns:a16="http://schemas.microsoft.com/office/drawing/2014/main" id="{EF426671-28E4-16A8-41E9-3571426CEE19}"/>
               </a:ext>
             </a:extLst>
           </p:cNvPr>
@@ -1526,7 +1526,7 @@
           <p:cNvPr id="3" name="文本占位符 2">
             <a:extLst>
               <a:ext uri="{FF2B5EF4-FFF2-40B4-BE49-F238E27FC236}">
-                <a16:creationId xmlns:a16="http://schemas.microsoft.com/office/drawing/2014/main" id="{FBBD6793-7D0B-6F7C-BDFC-3E437684104C}"/>
+                <a16:creationId xmlns:a16="http://schemas.microsoft.com/office/drawing/2014/main" id="{3492E202-7D8F-DFF6-4623-51AD170847BE}"/>
               </a:ext>
             </a:extLst>
           </p:cNvPr>
@@ -1597,7 +1597,7 @@
           <p:cNvPr id="4" name="内容占位符 3">
             <a:extLst>
               <a:ext uri="{FF2B5EF4-FFF2-40B4-BE49-F238E27FC236}">
-                <a16:creationId xmlns:a16="http://schemas.microsoft.com/office/drawing/2014/main" id="{09B82F55-0440-6EB5-F37B-852257C3DC8C}"/>
+                <a16:creationId xmlns:a16="http://schemas.microsoft.com/office/drawing/2014/main" id="{E103BC79-27C5-F336-78AF-E30CB6F187C3}"/>
               </a:ext>
             </a:extLst>
           </p:cNvPr>
@@ -1659,7 +1659,7 @@
           <p:cNvPr id="5" name="文本占位符 4">
             <a:extLst>
               <a:ext uri="{FF2B5EF4-FFF2-40B4-BE49-F238E27FC236}">
-                <a16:creationId xmlns:a16="http://schemas.microsoft.com/office/drawing/2014/main" id="{77EC43A6-96D5-2717-9AA5-39CB9040935D}"/>
+                <a16:creationId xmlns:a16="http://schemas.microsoft.com/office/drawing/2014/main" id="{D1170FF4-27BD-C132-A0D4-B6BCBAD9AD0C}"/>
               </a:ext>
             </a:extLst>
           </p:cNvPr>
@@ -1730,7 +1730,7 @@
           <p:cNvPr id="6" name="内容占位符 5">
             <a:extLst>
               <a:ext uri="{FF2B5EF4-FFF2-40B4-BE49-F238E27FC236}">
-                <a16:creationId xmlns:a16="http://schemas.microsoft.com/office/drawing/2014/main" id="{38D90627-C3A4-D834-43E7-B19AF6A3E4BC}"/>
+                <a16:creationId xmlns:a16="http://schemas.microsoft.com/office/drawing/2014/main" id="{4C0594AF-B058-37E2-628D-660DA21F67D7}"/>
               </a:ext>
             </a:extLst>
           </p:cNvPr>
@@ -1792,7 +1792,7 @@
           <p:cNvPr id="7" name="日期占位符 6">
             <a:extLst>
               <a:ext uri="{FF2B5EF4-FFF2-40B4-BE49-F238E27FC236}">
-                <a16:creationId xmlns:a16="http://schemas.microsoft.com/office/drawing/2014/main" id="{53F8C042-599B-51EA-9E07-0D733C436F1D}"/>
+                <a16:creationId xmlns:a16="http://schemas.microsoft.com/office/drawing/2014/main" id="{5D4218C4-7A9C-EB14-ECDA-757913439021}"/>
               </a:ext>
             </a:extLst>
           </p:cNvPr>
@@ -1808,7 +1808,7 @@
           <a:bodyPr/>
           <a:lstStyle/>
           <a:p>
-            <a:fld id="{73952DAE-6F8E-4F91-8DD0-AED63A0CDB0D}" type="datetimeFigureOut">
+            <a:fld id="{02B8F3E1-D356-4372-8B51-98F5E90B3220}" type="datetimeFigureOut">
               <a:rPr lang="zh-CN" altLang="en-US" smtClean="0"/>
               <a:t>2024/3/10</a:t>
             </a:fld>
@@ -1821,7 +1821,7 @@
           <p:cNvPr id="8" name="页脚占位符 7">
             <a:extLst>
               <a:ext uri="{FF2B5EF4-FFF2-40B4-BE49-F238E27FC236}">
-                <a16:creationId xmlns:a16="http://schemas.microsoft.com/office/drawing/2014/main" id="{02D0E85C-AE61-44D1-BF64-AF6B9BCEECFA}"/>
+                <a16:creationId xmlns:a16="http://schemas.microsoft.com/office/drawing/2014/main" id="{1E6C1D63-BC51-EAD4-9793-DB6B96CB5D72}"/>
               </a:ext>
             </a:extLst>
           </p:cNvPr>
@@ -1846,7 +1846,7 @@
           <p:cNvPr id="9" name="灯片编号占位符 8">
             <a:extLst>
               <a:ext uri="{FF2B5EF4-FFF2-40B4-BE49-F238E27FC236}">
-                <a16:creationId xmlns:a16="http://schemas.microsoft.com/office/drawing/2014/main" id="{CA5657D3-F7C5-97B8-81EB-94C9DBC25D50}"/>
+                <a16:creationId xmlns:a16="http://schemas.microsoft.com/office/drawing/2014/main" id="{C4B3A53B-1826-A60C-4DCB-D1BAC06BCC59}"/>
               </a:ext>
             </a:extLst>
           </p:cNvPr>
@@ -1862,7 +1862,7 @@
           <a:bodyPr/>
           <a:lstStyle/>
           <a:p>
-            <a:fld id="{C1345F19-178D-4D6C-9724-FDBA2E592DE1}" type="slidenum">
+            <a:fld id="{E380862D-494B-4F1B-9520-4229AF1759C2}" type="slidenum">
               <a:rPr lang="zh-CN" altLang="en-US" smtClean="0"/>
               <a:t>‹#›</a:t>
             </a:fld>
@@ -1873,7 +1873,7 @@
     </p:spTree>
     <p:extLst>
       <p:ext uri="{BB962C8B-B14F-4D97-AF65-F5344CB8AC3E}">
-        <p14:creationId xmlns:p14="http://schemas.microsoft.com/office/powerpoint/2010/main" val="421492105"/>
+        <p14:creationId xmlns:p14="http://schemas.microsoft.com/office/powerpoint/2010/main" val="3912201977"/>
       </p:ext>
     </p:extLst>
   </p:cSld>
@@ -1905,7 +1905,7 @@
           <p:cNvPr id="2" name="标题 1">
             <a:extLst>
               <a:ext uri="{FF2B5EF4-FFF2-40B4-BE49-F238E27FC236}">
-                <a16:creationId xmlns:a16="http://schemas.microsoft.com/office/drawing/2014/main" id="{60B22708-57B5-8FC2-2E0B-9D96D260D913}"/>
+                <a16:creationId xmlns:a16="http://schemas.microsoft.com/office/drawing/2014/main" id="{EA6E90B8-16CF-C927-D859-5E6E5F8AB178}"/>
               </a:ext>
             </a:extLst>
           </p:cNvPr>
@@ -1933,7 +1933,7 @@
           <p:cNvPr id="3" name="日期占位符 2">
             <a:extLst>
               <a:ext uri="{FF2B5EF4-FFF2-40B4-BE49-F238E27FC236}">
-                <a16:creationId xmlns:a16="http://schemas.microsoft.com/office/drawing/2014/main" id="{8FFBBB82-F58A-E035-BF83-0CDFE1E376E7}"/>
+                <a16:creationId xmlns:a16="http://schemas.microsoft.com/office/drawing/2014/main" id="{F6815D0B-8EEB-A238-DAD2-67E56C9E2D7C}"/>
               </a:ext>
             </a:extLst>
           </p:cNvPr>
@@ -1949,7 +1949,7 @@
           <a:bodyPr/>
           <a:lstStyle/>
           <a:p>
-            <a:fld id="{73952DAE-6F8E-4F91-8DD0-AED63A0CDB0D}" type="datetimeFigureOut">
+            <a:fld id="{02B8F3E1-D356-4372-8B51-98F5E90B3220}" type="datetimeFigureOut">
               <a:rPr lang="zh-CN" altLang="en-US" smtClean="0"/>
               <a:t>2024/3/10</a:t>
             </a:fld>
@@ -1962,7 +1962,7 @@
           <p:cNvPr id="4" name="页脚占位符 3">
             <a:extLst>
               <a:ext uri="{FF2B5EF4-FFF2-40B4-BE49-F238E27FC236}">
-                <a16:creationId xmlns:a16="http://schemas.microsoft.com/office/drawing/2014/main" id="{EA5F4825-FABC-D53E-D5DF-9B678008D769}"/>
+                <a16:creationId xmlns:a16="http://schemas.microsoft.com/office/drawing/2014/main" id="{A84988CE-FAAC-6277-BFE9-5ED7F88387C5}"/>
               </a:ext>
             </a:extLst>
           </p:cNvPr>
@@ -1987,7 +1987,7 @@
           <p:cNvPr id="5" name="灯片编号占位符 4">
             <a:extLst>
               <a:ext uri="{FF2B5EF4-FFF2-40B4-BE49-F238E27FC236}">
-                <a16:creationId xmlns:a16="http://schemas.microsoft.com/office/drawing/2014/main" id="{104E38C8-73DB-9231-5EB4-044137512AB3}"/>
+                <a16:creationId xmlns:a16="http://schemas.microsoft.com/office/drawing/2014/main" id="{A5802599-FDA5-5A98-9E1A-24044DC59DCF}"/>
               </a:ext>
             </a:extLst>
           </p:cNvPr>
@@ -2003,7 +2003,7 @@
           <a:bodyPr/>
           <a:lstStyle/>
           <a:p>
-            <a:fld id="{C1345F19-178D-4D6C-9724-FDBA2E592DE1}" type="slidenum">
+            <a:fld id="{E380862D-494B-4F1B-9520-4229AF1759C2}" type="slidenum">
               <a:rPr lang="zh-CN" altLang="en-US" smtClean="0"/>
               <a:t>‹#›</a:t>
             </a:fld>
@@ -2014,7 +2014,7 @@
     </p:spTree>
     <p:extLst>
       <p:ext uri="{BB962C8B-B14F-4D97-AF65-F5344CB8AC3E}">
-        <p14:creationId xmlns:p14="http://schemas.microsoft.com/office/powerpoint/2010/main" val="3471367817"/>
+        <p14:creationId xmlns:p14="http://schemas.microsoft.com/office/powerpoint/2010/main" val="4128289013"/>
       </p:ext>
     </p:extLst>
   </p:cSld>
@@ -2046,7 +2046,7 @@
           <p:cNvPr id="2" name="日期占位符 1">
             <a:extLst>
               <a:ext uri="{FF2B5EF4-FFF2-40B4-BE49-F238E27FC236}">
-                <a16:creationId xmlns:a16="http://schemas.microsoft.com/office/drawing/2014/main" id="{858DFD3A-4B91-E202-CE6E-5FB6B5CF9005}"/>
+                <a16:creationId xmlns:a16="http://schemas.microsoft.com/office/drawing/2014/main" id="{29BD8162-9AD8-FD01-1962-4F5F02E08C18}"/>
               </a:ext>
             </a:extLst>
           </p:cNvPr>
@@ -2062,7 +2062,7 @@
           <a:bodyPr/>
           <a:lstStyle/>
           <a:p>
-            <a:fld id="{73952DAE-6F8E-4F91-8DD0-AED63A0CDB0D}" type="datetimeFigureOut">
+            <a:fld id="{02B8F3E1-D356-4372-8B51-98F5E90B3220}" type="datetimeFigureOut">
               <a:rPr lang="zh-CN" altLang="en-US" smtClean="0"/>
               <a:t>2024/3/10</a:t>
             </a:fld>
@@ -2075,7 +2075,7 @@
           <p:cNvPr id="3" name="页脚占位符 2">
             <a:extLst>
               <a:ext uri="{FF2B5EF4-FFF2-40B4-BE49-F238E27FC236}">
-                <a16:creationId xmlns:a16="http://schemas.microsoft.com/office/drawing/2014/main" id="{EFC2FEBA-AEB1-03F9-C593-B814CD2F35FF}"/>
+                <a16:creationId xmlns:a16="http://schemas.microsoft.com/office/drawing/2014/main" id="{B14BC856-E4D7-B034-CBF1-1C2F8BDA1148}"/>
               </a:ext>
             </a:extLst>
           </p:cNvPr>
@@ -2100,7 +2100,7 @@
           <p:cNvPr id="4" name="灯片编号占位符 3">
             <a:extLst>
               <a:ext uri="{FF2B5EF4-FFF2-40B4-BE49-F238E27FC236}">
-                <a16:creationId xmlns:a16="http://schemas.microsoft.com/office/drawing/2014/main" id="{A0669696-6931-4AE8-5582-65663846B951}"/>
+                <a16:creationId xmlns:a16="http://schemas.microsoft.com/office/drawing/2014/main" id="{523619F4-D729-892B-54D7-F48CEADF80CA}"/>
               </a:ext>
             </a:extLst>
           </p:cNvPr>
@@ -2116,7 +2116,7 @@
           <a:bodyPr/>
           <a:lstStyle/>
           <a:p>
-            <a:fld id="{C1345F19-178D-4D6C-9724-FDBA2E592DE1}" type="slidenum">
+            <a:fld id="{E380862D-494B-4F1B-9520-4229AF1759C2}" type="slidenum">
               <a:rPr lang="zh-CN" altLang="en-US" smtClean="0"/>
               <a:t>‹#›</a:t>
             </a:fld>
@@ -2127,7 +2127,7 @@
     </p:spTree>
     <p:extLst>
       <p:ext uri="{BB962C8B-B14F-4D97-AF65-F5344CB8AC3E}">
-        <p14:creationId xmlns:p14="http://schemas.microsoft.com/office/powerpoint/2010/main" val="1221074932"/>
+        <p14:creationId xmlns:p14="http://schemas.microsoft.com/office/powerpoint/2010/main" val="2526124432"/>
       </p:ext>
     </p:extLst>
   </p:cSld>
@@ -2159,7 +2159,7 @@
           <p:cNvPr id="2" name="标题 1">
             <a:extLst>
               <a:ext uri="{FF2B5EF4-FFF2-40B4-BE49-F238E27FC236}">
-                <a16:creationId xmlns:a16="http://schemas.microsoft.com/office/drawing/2014/main" id="{19BF54B5-162F-50D9-9AF7-A7CEA9FDECF4}"/>
+                <a16:creationId xmlns:a16="http://schemas.microsoft.com/office/drawing/2014/main" id="{DE6D5AA6-9D95-CA2E-5AEE-77803D4BA57C}"/>
               </a:ext>
             </a:extLst>
           </p:cNvPr>
@@ -2196,7 +2196,7 @@
           <p:cNvPr id="3" name="内容占位符 2">
             <a:extLst>
               <a:ext uri="{FF2B5EF4-FFF2-40B4-BE49-F238E27FC236}">
-                <a16:creationId xmlns:a16="http://schemas.microsoft.com/office/drawing/2014/main" id="{0230E224-4D54-E59C-5B43-B2C282A9312C}"/>
+                <a16:creationId xmlns:a16="http://schemas.microsoft.com/office/drawing/2014/main" id="{E7BDF24A-82AC-E1A9-B704-DFF0152B8867}"/>
               </a:ext>
             </a:extLst>
           </p:cNvPr>
@@ -2286,7 +2286,7 @@
           <p:cNvPr id="4" name="文本占位符 3">
             <a:extLst>
               <a:ext uri="{FF2B5EF4-FFF2-40B4-BE49-F238E27FC236}">
-                <a16:creationId xmlns:a16="http://schemas.microsoft.com/office/drawing/2014/main" id="{6852884B-9E3D-295A-E983-823E82F3F1EB}"/>
+                <a16:creationId xmlns:a16="http://schemas.microsoft.com/office/drawing/2014/main" id="{175FAE06-1F98-AA83-F2E3-41B69BE6B15F}"/>
               </a:ext>
             </a:extLst>
           </p:cNvPr>
@@ -2357,7 +2357,7 @@
           <p:cNvPr id="5" name="日期占位符 4">
             <a:extLst>
               <a:ext uri="{FF2B5EF4-FFF2-40B4-BE49-F238E27FC236}">
-                <a16:creationId xmlns:a16="http://schemas.microsoft.com/office/drawing/2014/main" id="{F3323F4D-8B39-C271-C6F3-E903321DA524}"/>
+                <a16:creationId xmlns:a16="http://schemas.microsoft.com/office/drawing/2014/main" id="{E8278203-5FD9-96B7-0EF0-35FCDDBB4FDE}"/>
               </a:ext>
             </a:extLst>
           </p:cNvPr>
@@ -2373,7 +2373,7 @@
           <a:bodyPr/>
           <a:lstStyle/>
           <a:p>
-            <a:fld id="{73952DAE-6F8E-4F91-8DD0-AED63A0CDB0D}" type="datetimeFigureOut">
+            <a:fld id="{02B8F3E1-D356-4372-8B51-98F5E90B3220}" type="datetimeFigureOut">
               <a:rPr lang="zh-CN" altLang="en-US" smtClean="0"/>
               <a:t>2024/3/10</a:t>
             </a:fld>
@@ -2386,7 +2386,7 @@
           <p:cNvPr id="6" name="页脚占位符 5">
             <a:extLst>
               <a:ext uri="{FF2B5EF4-FFF2-40B4-BE49-F238E27FC236}">
-                <a16:creationId xmlns:a16="http://schemas.microsoft.com/office/drawing/2014/main" id="{87883F56-F49D-B167-EF2B-EC2C155D9A86}"/>
+                <a16:creationId xmlns:a16="http://schemas.microsoft.com/office/drawing/2014/main" id="{285EAD09-985E-9BDD-F8A0-FE61A99E1063}"/>
               </a:ext>
             </a:extLst>
           </p:cNvPr>
@@ -2411,7 +2411,7 @@
           <p:cNvPr id="7" name="灯片编号占位符 6">
             <a:extLst>
               <a:ext uri="{FF2B5EF4-FFF2-40B4-BE49-F238E27FC236}">
-                <a16:creationId xmlns:a16="http://schemas.microsoft.com/office/drawing/2014/main" id="{FCE15FFA-20E0-A9ED-2659-DC7B63077A05}"/>
+                <a16:creationId xmlns:a16="http://schemas.microsoft.com/office/drawing/2014/main" id="{C0C9CC02-64A3-0EC9-98B3-1CF6B13B8269}"/>
               </a:ext>
             </a:extLst>
           </p:cNvPr>
@@ -2427,7 +2427,7 @@
           <a:bodyPr/>
           <a:lstStyle/>
           <a:p>
-            <a:fld id="{C1345F19-178D-4D6C-9724-FDBA2E592DE1}" type="slidenum">
+            <a:fld id="{E380862D-494B-4F1B-9520-4229AF1759C2}" type="slidenum">
               <a:rPr lang="zh-CN" altLang="en-US" smtClean="0"/>
               <a:t>‹#›</a:t>
             </a:fld>
@@ -2438,7 +2438,7 @@
     </p:spTree>
     <p:extLst>
       <p:ext uri="{BB962C8B-B14F-4D97-AF65-F5344CB8AC3E}">
-        <p14:creationId xmlns:p14="http://schemas.microsoft.com/office/powerpoint/2010/main" val="1461931544"/>
+        <p14:creationId xmlns:p14="http://schemas.microsoft.com/office/powerpoint/2010/main" val="1218383780"/>
       </p:ext>
     </p:extLst>
   </p:cSld>
@@ -2470,7 +2470,7 @@
           <p:cNvPr id="2" name="标题 1">
             <a:extLst>
               <a:ext uri="{FF2B5EF4-FFF2-40B4-BE49-F238E27FC236}">
-                <a16:creationId xmlns:a16="http://schemas.microsoft.com/office/drawing/2014/main" id="{742A414F-3732-B004-EEFB-51763BF96FF8}"/>
+                <a16:creationId xmlns:a16="http://schemas.microsoft.com/office/drawing/2014/main" id="{6EED30D7-BCBC-83DE-4A67-DF17D996265F}"/>
               </a:ext>
             </a:extLst>
           </p:cNvPr>
@@ -2507,7 +2507,7 @@
           <p:cNvPr id="3" name="图片占位符 2">
             <a:extLst>
               <a:ext uri="{FF2B5EF4-FFF2-40B4-BE49-F238E27FC236}">
-                <a16:creationId xmlns:a16="http://schemas.microsoft.com/office/drawing/2014/main" id="{E9816445-C540-5EFC-E96D-8C75C28A6B88}"/>
+                <a16:creationId xmlns:a16="http://schemas.microsoft.com/office/drawing/2014/main" id="{78C8698B-2AC9-300E-ABF4-67ADC3DBB5AA}"/>
               </a:ext>
             </a:extLst>
           </p:cNvPr>
@@ -2574,7 +2574,7 @@
           <p:cNvPr id="4" name="文本占位符 3">
             <a:extLst>
               <a:ext uri="{FF2B5EF4-FFF2-40B4-BE49-F238E27FC236}">
-                <a16:creationId xmlns:a16="http://schemas.microsoft.com/office/drawing/2014/main" id="{49496A6E-C8EF-0B17-9D87-03A9AA16A862}"/>
+                <a16:creationId xmlns:a16="http://schemas.microsoft.com/office/drawing/2014/main" id="{22C9F8C9-7AE6-B9BC-8112-1A1908ECB1F7}"/>
               </a:ext>
             </a:extLst>
           </p:cNvPr>
@@ -2645,7 +2645,7 @@
           <p:cNvPr id="5" name="日期占位符 4">
             <a:extLst>
               <a:ext uri="{FF2B5EF4-FFF2-40B4-BE49-F238E27FC236}">
-                <a16:creationId xmlns:a16="http://schemas.microsoft.com/office/drawing/2014/main" id="{3DE46C04-4D78-3E6F-7E54-5CB599D6E6D8}"/>
+                <a16:creationId xmlns:a16="http://schemas.microsoft.com/office/drawing/2014/main" id="{E929D063-1E9F-8B62-1A83-DA10EABB1361}"/>
               </a:ext>
             </a:extLst>
           </p:cNvPr>
@@ -2661,7 +2661,7 @@
           <a:bodyPr/>
           <a:lstStyle/>
           <a:p>
-            <a:fld id="{73952DAE-6F8E-4F91-8DD0-AED63A0CDB0D}" type="datetimeFigureOut">
+            <a:fld id="{02B8F3E1-D356-4372-8B51-98F5E90B3220}" type="datetimeFigureOut">
               <a:rPr lang="zh-CN" altLang="en-US" smtClean="0"/>
               <a:t>2024/3/10</a:t>
             </a:fld>
@@ -2674,7 +2674,7 @@
           <p:cNvPr id="6" name="页脚占位符 5">
             <a:extLst>
               <a:ext uri="{FF2B5EF4-FFF2-40B4-BE49-F238E27FC236}">
-                <a16:creationId xmlns:a16="http://schemas.microsoft.com/office/drawing/2014/main" id="{326B8E87-51C5-6C18-DF26-8957B15EF301}"/>
+                <a16:creationId xmlns:a16="http://schemas.microsoft.com/office/drawing/2014/main" id="{A165CA66-A606-EF0C-8C68-9D8F0E209DC1}"/>
               </a:ext>
             </a:extLst>
           </p:cNvPr>
@@ -2699,7 +2699,7 @@
           <p:cNvPr id="7" name="灯片编号占位符 6">
             <a:extLst>
               <a:ext uri="{FF2B5EF4-FFF2-40B4-BE49-F238E27FC236}">
-                <a16:creationId xmlns:a16="http://schemas.microsoft.com/office/drawing/2014/main" id="{1D0DEAC3-FBC2-2818-A5E2-A300F88EADA2}"/>
+                <a16:creationId xmlns:a16="http://schemas.microsoft.com/office/drawing/2014/main" id="{8B29819A-55FB-97FC-6FB0-E09B7DD3B44A}"/>
               </a:ext>
             </a:extLst>
           </p:cNvPr>
@@ -2715,7 +2715,7 @@
           <a:bodyPr/>
           <a:lstStyle/>
           <a:p>
-            <a:fld id="{C1345F19-178D-4D6C-9724-FDBA2E592DE1}" type="slidenum">
+            <a:fld id="{E380862D-494B-4F1B-9520-4229AF1759C2}" type="slidenum">
               <a:rPr lang="zh-CN" altLang="en-US" smtClean="0"/>
               <a:t>‹#›</a:t>
             </a:fld>
@@ -2726,7 +2726,7 @@
     </p:spTree>
     <p:extLst>
       <p:ext uri="{BB962C8B-B14F-4D97-AF65-F5344CB8AC3E}">
-        <p14:creationId xmlns:p14="http://schemas.microsoft.com/office/powerpoint/2010/main" val="855310175"/>
+        <p14:creationId xmlns:p14="http://schemas.microsoft.com/office/powerpoint/2010/main" val="2344982287"/>
       </p:ext>
     </p:extLst>
   </p:cSld>
@@ -2763,7 +2763,7 @@
           <p:cNvPr id="2" name="标题占位符 1">
             <a:extLst>
               <a:ext uri="{FF2B5EF4-FFF2-40B4-BE49-F238E27FC236}">
-                <a16:creationId xmlns:a16="http://schemas.microsoft.com/office/drawing/2014/main" id="{6DDCF7DC-FFDC-2F72-840A-69DEC4F6185C}"/>
+                <a16:creationId xmlns:a16="http://schemas.microsoft.com/office/drawing/2014/main" id="{63BFC6EE-9013-C11C-C9E5-8DA2EC808022}"/>
               </a:ext>
             </a:extLst>
           </p:cNvPr>
@@ -2801,7 +2801,7 @@
           <p:cNvPr id="3" name="文本占位符 2">
             <a:extLst>
               <a:ext uri="{FF2B5EF4-FFF2-40B4-BE49-F238E27FC236}">
-                <a16:creationId xmlns:a16="http://schemas.microsoft.com/office/drawing/2014/main" id="{167EE7C3-E60E-9123-A6E4-480CB7324487}"/>
+                <a16:creationId xmlns:a16="http://schemas.microsoft.com/office/drawing/2014/main" id="{97E485C6-EE47-D545-441F-C06175EBBA9F}"/>
               </a:ext>
             </a:extLst>
           </p:cNvPr>
@@ -2868,7 +2868,7 @@
           <p:cNvPr id="4" name="日期占位符 3">
             <a:extLst>
               <a:ext uri="{FF2B5EF4-FFF2-40B4-BE49-F238E27FC236}">
-                <a16:creationId xmlns:a16="http://schemas.microsoft.com/office/drawing/2014/main" id="{CC5EF7E0-70D2-EA1F-5FDC-89C2FF8C6F05}"/>
+                <a16:creationId xmlns:a16="http://schemas.microsoft.com/office/drawing/2014/main" id="{611FC8CA-8A9B-83AE-BA26-766D7A0936C7}"/>
               </a:ext>
             </a:extLst>
           </p:cNvPr>
@@ -2902,7 +2902,7 @@
             </a:lvl1pPr>
           </a:lstStyle>
           <a:p>
-            <a:fld id="{73952DAE-6F8E-4F91-8DD0-AED63A0CDB0D}" type="datetimeFigureOut">
+            <a:fld id="{02B8F3E1-D356-4372-8B51-98F5E90B3220}" type="datetimeFigureOut">
               <a:rPr lang="zh-CN" altLang="en-US" smtClean="0"/>
               <a:t>2024/3/10</a:t>
             </a:fld>
@@ -2915,7 +2915,7 @@
           <p:cNvPr id="5" name="页脚占位符 4">
             <a:extLst>
               <a:ext uri="{FF2B5EF4-FFF2-40B4-BE49-F238E27FC236}">
-                <a16:creationId xmlns:a16="http://schemas.microsoft.com/office/drawing/2014/main" id="{CC84CDAA-A9EF-250E-30BB-B69D725F24A9}"/>
+                <a16:creationId xmlns:a16="http://schemas.microsoft.com/office/drawing/2014/main" id="{691372C6-26E2-C808-60EB-997FDAEA4190}"/>
               </a:ext>
             </a:extLst>
           </p:cNvPr>
@@ -2958,7 +2958,7 @@
           <p:cNvPr id="6" name="灯片编号占位符 5">
             <a:extLst>
               <a:ext uri="{FF2B5EF4-FFF2-40B4-BE49-F238E27FC236}">
-                <a16:creationId xmlns:a16="http://schemas.microsoft.com/office/drawing/2014/main" id="{0479FADA-16C5-B692-8923-868F99D50FBA}"/>
+                <a16:creationId xmlns:a16="http://schemas.microsoft.com/office/drawing/2014/main" id="{AD2A8E39-7159-024B-C6C6-9FC9A76F83EC}"/>
               </a:ext>
             </a:extLst>
           </p:cNvPr>
@@ -2992,7 +2992,7 @@
             </a:lvl1pPr>
           </a:lstStyle>
           <a:p>
-            <a:fld id="{C1345F19-178D-4D6C-9724-FDBA2E592DE1}" type="slidenum">
+            <a:fld id="{E380862D-494B-4F1B-9520-4229AF1759C2}" type="slidenum">
               <a:rPr lang="zh-CN" altLang="en-US" smtClean="0"/>
               <a:t>‹#›</a:t>
             </a:fld>
@@ -3003,7 +3003,7 @@
     </p:spTree>
     <p:extLst>
       <p:ext uri="{BB962C8B-B14F-4D97-AF65-F5344CB8AC3E}">
-        <p14:creationId xmlns:p14="http://schemas.microsoft.com/office/powerpoint/2010/main" val="3734903574"/>
+        <p14:creationId xmlns:p14="http://schemas.microsoft.com/office/powerpoint/2010/main" val="2397269208"/>
       </p:ext>
     </p:extLst>
   </p:cSld>
